--- a/Day 2/slide/JUnit-Intro-tutorial.pptx
+++ b/Day 2/slide/JUnit-Intro-tutorial.pptx
@@ -4687,40 +4687,6 @@
       </p:grpSpPr>
       <p:sp>
         <p:nvSpPr>
-          <p:cNvPr id="4" name="Segnaposto numero diapositiva 5">
-            <a:extLst>
-              <a:ext uri="{FF2B5EF4-FFF2-40B4-BE49-F238E27FC236}">
-                <a16:creationId xmlns:a16="http://schemas.microsoft.com/office/drawing/2014/main" id="{629D266E-242F-F5DE-432B-E83CA3889853}"/>
-              </a:ext>
-            </a:extLst>
-          </p:cNvPr>
-          <p:cNvSpPr>
-            <a:spLocks noGrp="1"/>
-          </p:cNvSpPr>
-          <p:nvPr>
-            <p:ph type="sldNum" sz="quarter" idx="12"/>
-          </p:nvPr>
-        </p:nvSpPr>
-        <p:spPr/>
-        <p:txBody>
-          <a:bodyPr/>
-          <a:lstStyle/>
-          <a:p>
-            <a:r>
-              <a:rPr lang="it" altLang="it-IT"/>
-              <a:t>Garanzia di qualità del software – JUnit Lab</a:t>
-            </a:r>
-            <a:fld id="{1B5D4176-F2F3-3D46-9241-85C917D08D19}" type="slidenum">
-              <a:rPr lang="en-US" altLang="it-IT"/>
-              <a:pPr/>
-              <a:t>1</a:t>
-            </a:fld>
-            <a:endParaRPr lang="en-US" altLang="it-IT"/>
-          </a:p>
-        </p:txBody>
-      </p:sp>
-      <p:sp>
-        <p:nvSpPr>
           <p:cNvPr id="49156" name="Rectangle 4">
             <a:extLst>
               <a:ext uri="{FF2B5EF4-FFF2-40B4-BE49-F238E27FC236}">
@@ -4824,40 +4790,6 @@
           <a:chExt cx="0" cy="0"/>
         </a:xfrm>
       </p:grpSpPr>
-      <p:sp>
-        <p:nvSpPr>
-          <p:cNvPr id="4" name="Segnaposto numero diapositiva 5">
-            <a:extLst>
-              <a:ext uri="{FF2B5EF4-FFF2-40B4-BE49-F238E27FC236}">
-                <a16:creationId xmlns:a16="http://schemas.microsoft.com/office/drawing/2014/main" id="{15667729-DEED-BB49-2A87-3C7557172212}"/>
-              </a:ext>
-            </a:extLst>
-          </p:cNvPr>
-          <p:cNvSpPr>
-            <a:spLocks noGrp="1"/>
-          </p:cNvSpPr>
-          <p:nvPr>
-            <p:ph type="sldNum" sz="quarter" idx="12"/>
-          </p:nvPr>
-        </p:nvSpPr>
-        <p:spPr/>
-        <p:txBody>
-          <a:bodyPr/>
-          <a:lstStyle/>
-          <a:p>
-            <a:r>
-              <a:rPr lang="it" altLang="it-IT"/>
-              <a:t>Garanzia di qualità del software – JUnit Lab</a:t>
-            </a:r>
-            <a:fld id="{DDFBA7B1-01C9-2146-A392-00CA06EC0A05}" type="slidenum">
-              <a:rPr lang="en-US" altLang="it-IT"/>
-              <a:pPr/>
-              <a:t>10</a:t>
-            </a:fld>
-            <a:endParaRPr lang="en-US" altLang="it-IT"/>
-          </a:p>
-        </p:txBody>
-      </p:sp>
       <p:sp>
         <p:nvSpPr>
           <p:cNvPr id="86018" name="Rectangle 2">
@@ -5380,40 +5312,6 @@
       </p:grpSpPr>
       <p:sp>
         <p:nvSpPr>
-          <p:cNvPr id="4" name="Segnaposto numero diapositiva 5">
-            <a:extLst>
-              <a:ext uri="{FF2B5EF4-FFF2-40B4-BE49-F238E27FC236}">
-                <a16:creationId xmlns:a16="http://schemas.microsoft.com/office/drawing/2014/main" id="{C29EC6DE-00C9-7190-8EC8-017AC8667C9F}"/>
-              </a:ext>
-            </a:extLst>
-          </p:cNvPr>
-          <p:cNvSpPr>
-            <a:spLocks noGrp="1"/>
-          </p:cNvSpPr>
-          <p:nvPr>
-            <p:ph type="sldNum" sz="quarter" idx="12"/>
-          </p:nvPr>
-        </p:nvSpPr>
-        <p:spPr/>
-        <p:txBody>
-          <a:bodyPr/>
-          <a:lstStyle/>
-          <a:p>
-            <a:r>
-              <a:rPr lang="it" altLang="it-IT"/>
-              <a:t>Garanzia di qualità del software – JUnit Lab</a:t>
-            </a:r>
-            <a:fld id="{4BEB4AAF-B17A-DC41-BF29-E9D2984F84AE}" type="slidenum">
-              <a:rPr lang="en-US" altLang="it-IT"/>
-              <a:pPr/>
-              <a:t>11</a:t>
-            </a:fld>
-            <a:endParaRPr lang="en-US" altLang="it-IT"/>
-          </a:p>
-        </p:txBody>
-      </p:sp>
-      <p:sp>
-        <p:nvSpPr>
           <p:cNvPr id="87042" name="Rectangle 2">
             <a:extLst>
               <a:ext uri="{FF2B5EF4-FFF2-40B4-BE49-F238E27FC236}">
@@ -5907,40 +5805,6 @@
       </p:grpSpPr>
       <p:sp>
         <p:nvSpPr>
-          <p:cNvPr id="4" name="Segnaposto numero diapositiva 5">
-            <a:extLst>
-              <a:ext uri="{FF2B5EF4-FFF2-40B4-BE49-F238E27FC236}">
-                <a16:creationId xmlns:a16="http://schemas.microsoft.com/office/drawing/2014/main" id="{605639CB-B041-CD46-4F1D-31E61FA70727}"/>
-              </a:ext>
-            </a:extLst>
-          </p:cNvPr>
-          <p:cNvSpPr>
-            <a:spLocks noGrp="1"/>
-          </p:cNvSpPr>
-          <p:nvPr>
-            <p:ph type="sldNum" sz="quarter" idx="12"/>
-          </p:nvPr>
-        </p:nvSpPr>
-        <p:spPr/>
-        <p:txBody>
-          <a:bodyPr/>
-          <a:lstStyle/>
-          <a:p>
-            <a:r>
-              <a:rPr lang="it" altLang="it-IT"/>
-              <a:t>Garanzia di qualità del software – JUnit Lab</a:t>
-            </a:r>
-            <a:fld id="{2C69A863-0555-9645-9451-C30A16A1B94D}" type="slidenum">
-              <a:rPr lang="en-US" altLang="it-IT"/>
-              <a:pPr/>
-              <a:t>12</a:t>
-            </a:fld>
-            <a:endParaRPr lang="en-US" altLang="it-IT"/>
-          </a:p>
-        </p:txBody>
-      </p:sp>
-      <p:sp>
-        <p:nvSpPr>
           <p:cNvPr id="55298" name="Rectangle 2">
             <a:extLst>
               <a:ext uri="{FF2B5EF4-FFF2-40B4-BE49-F238E27FC236}">
@@ -6135,40 +5999,6 @@
       </p:grpSpPr>
       <p:sp>
         <p:nvSpPr>
-          <p:cNvPr id="4" name="Segnaposto numero diapositiva 5">
-            <a:extLst>
-              <a:ext uri="{FF2B5EF4-FFF2-40B4-BE49-F238E27FC236}">
-                <a16:creationId xmlns:a16="http://schemas.microsoft.com/office/drawing/2014/main" id="{69D21FAB-AF81-2B8C-73CC-DC30A33AEA74}"/>
-              </a:ext>
-            </a:extLst>
-          </p:cNvPr>
-          <p:cNvSpPr>
-            <a:spLocks noGrp="1"/>
-          </p:cNvSpPr>
-          <p:nvPr>
-            <p:ph type="sldNum" sz="quarter" idx="12"/>
-          </p:nvPr>
-        </p:nvSpPr>
-        <p:spPr/>
-        <p:txBody>
-          <a:bodyPr/>
-          <a:lstStyle/>
-          <a:p>
-            <a:r>
-              <a:rPr lang="it" altLang="it-IT"/>
-              <a:t>Garanzia di qualità del software – JUnit Lab</a:t>
-            </a:r>
-            <a:fld id="{3E84AE9D-757C-6542-94E8-2BED5D6EEB47}" type="slidenum">
-              <a:rPr lang="en-US" altLang="it-IT"/>
-              <a:pPr/>
-              <a:t>13</a:t>
-            </a:fld>
-            <a:endParaRPr lang="en-US" altLang="it-IT"/>
-          </a:p>
-        </p:txBody>
-      </p:sp>
-      <p:sp>
-        <p:nvSpPr>
           <p:cNvPr id="56322" name="Rectangle 2">
             <a:extLst>
               <a:ext uri="{FF2B5EF4-FFF2-40B4-BE49-F238E27FC236}">
@@ -6460,40 +6290,6 @@
       </p:grpSpPr>
       <p:sp>
         <p:nvSpPr>
-          <p:cNvPr id="4" name="Segnaposto numero diapositiva 5">
-            <a:extLst>
-              <a:ext uri="{FF2B5EF4-FFF2-40B4-BE49-F238E27FC236}">
-                <a16:creationId xmlns:a16="http://schemas.microsoft.com/office/drawing/2014/main" id="{BAE98250-49AE-7D00-0687-FF2E8D03DF15}"/>
-              </a:ext>
-            </a:extLst>
-          </p:cNvPr>
-          <p:cNvSpPr>
-            <a:spLocks noGrp="1"/>
-          </p:cNvSpPr>
-          <p:nvPr>
-            <p:ph type="sldNum" sz="quarter" idx="12"/>
-          </p:nvPr>
-        </p:nvSpPr>
-        <p:spPr/>
-        <p:txBody>
-          <a:bodyPr/>
-          <a:lstStyle/>
-          <a:p>
-            <a:r>
-              <a:rPr lang="it" altLang="it-IT"/>
-              <a:t>Garanzia di qualità del software – JUnit Lab</a:t>
-            </a:r>
-            <a:fld id="{2E26A3C7-FD33-5941-ABEF-AD2D008A0BC8}" type="slidenum">
-              <a:rPr lang="en-US" altLang="it-IT"/>
-              <a:pPr/>
-              <a:t>14</a:t>
-            </a:fld>
-            <a:endParaRPr lang="en-US" altLang="it-IT"/>
-          </a:p>
-        </p:txBody>
-      </p:sp>
-      <p:sp>
-        <p:nvSpPr>
           <p:cNvPr id="144386" name="Rectangle 2">
             <a:extLst>
               <a:ext uri="{FF2B5EF4-FFF2-40B4-BE49-F238E27FC236}">
@@ -6856,40 +6652,6 @@
       </p:grpSpPr>
       <p:sp>
         <p:nvSpPr>
-          <p:cNvPr id="4" name="Segnaposto numero diapositiva 5">
-            <a:extLst>
-              <a:ext uri="{FF2B5EF4-FFF2-40B4-BE49-F238E27FC236}">
-                <a16:creationId xmlns:a16="http://schemas.microsoft.com/office/drawing/2014/main" id="{E66F416A-A9F1-B2E1-278B-2DA22AEAD5B6}"/>
-              </a:ext>
-            </a:extLst>
-          </p:cNvPr>
-          <p:cNvSpPr>
-            <a:spLocks noGrp="1"/>
-          </p:cNvSpPr>
-          <p:nvPr>
-            <p:ph type="sldNum" sz="quarter" idx="12"/>
-          </p:nvPr>
-        </p:nvSpPr>
-        <p:spPr/>
-        <p:txBody>
-          <a:bodyPr/>
-          <a:lstStyle/>
-          <a:p>
-            <a:r>
-              <a:rPr lang="it" altLang="it-IT"/>
-              <a:t>Garanzia di qualità del software – JUnit Lab</a:t>
-            </a:r>
-            <a:fld id="{8E1734FB-5C40-A54D-B73A-45A9C427D762}" type="slidenum">
-              <a:rPr lang="en-US" altLang="it-IT"/>
-              <a:pPr/>
-              <a:t>15</a:t>
-            </a:fld>
-            <a:endParaRPr lang="en-US" altLang="it-IT"/>
-          </a:p>
-        </p:txBody>
-      </p:sp>
-      <p:sp>
-        <p:nvSpPr>
           <p:cNvPr id="142338" name="Rectangle 2">
             <a:extLst>
               <a:ext uri="{FF2B5EF4-FFF2-40B4-BE49-F238E27FC236}">
@@ -7137,40 +6899,6 @@
       </p:grpSpPr>
       <p:sp>
         <p:nvSpPr>
-          <p:cNvPr id="4" name="Segnaposto numero diapositiva 5">
-            <a:extLst>
-              <a:ext uri="{FF2B5EF4-FFF2-40B4-BE49-F238E27FC236}">
-                <a16:creationId xmlns:a16="http://schemas.microsoft.com/office/drawing/2014/main" id="{23E156BE-5363-780B-A684-AB0CD0C0668B}"/>
-              </a:ext>
-            </a:extLst>
-          </p:cNvPr>
-          <p:cNvSpPr>
-            <a:spLocks noGrp="1"/>
-          </p:cNvSpPr>
-          <p:nvPr>
-            <p:ph type="sldNum" sz="quarter" idx="12"/>
-          </p:nvPr>
-        </p:nvSpPr>
-        <p:spPr/>
-        <p:txBody>
-          <a:bodyPr/>
-          <a:lstStyle/>
-          <a:p>
-            <a:r>
-              <a:rPr lang="it" altLang="it-IT"/>
-              <a:t>Garanzia di qualità del software – JUnit Lab</a:t>
-            </a:r>
-            <a:fld id="{54582946-1E6C-9A4A-A8E5-FFC0BB7EF5F3}" type="slidenum">
-              <a:rPr lang="en-US" altLang="it-IT"/>
-              <a:pPr/>
-              <a:t>16</a:t>
-            </a:fld>
-            <a:endParaRPr lang="en-US" altLang="it-IT"/>
-          </a:p>
-        </p:txBody>
-      </p:sp>
-      <p:sp>
-        <p:nvSpPr>
           <p:cNvPr id="98306" name="Rectangle 2">
             <a:extLst>
               <a:ext uri="{FF2B5EF4-FFF2-40B4-BE49-F238E27FC236}">
@@ -7511,40 +7239,6 @@
       </p:grpSpPr>
       <p:sp>
         <p:nvSpPr>
-          <p:cNvPr id="4" name="Segnaposto numero diapositiva 5">
-            <a:extLst>
-              <a:ext uri="{FF2B5EF4-FFF2-40B4-BE49-F238E27FC236}">
-                <a16:creationId xmlns:a16="http://schemas.microsoft.com/office/drawing/2014/main" id="{DCA15267-95C3-3A69-D0B5-0D6DA13AEEEF}"/>
-              </a:ext>
-            </a:extLst>
-          </p:cNvPr>
-          <p:cNvSpPr>
-            <a:spLocks noGrp="1"/>
-          </p:cNvSpPr>
-          <p:nvPr>
-            <p:ph type="sldNum" sz="quarter" idx="12"/>
-          </p:nvPr>
-        </p:nvSpPr>
-        <p:spPr/>
-        <p:txBody>
-          <a:bodyPr/>
-          <a:lstStyle/>
-          <a:p>
-            <a:r>
-              <a:rPr lang="it" altLang="it-IT"/>
-              <a:t>Garanzia di qualità del software – JUnit Lab</a:t>
-            </a:r>
-            <a:fld id="{B900C003-A838-9F42-B08B-0E617BF5BF7D}" type="slidenum">
-              <a:rPr lang="en-US" altLang="it-IT"/>
-              <a:pPr/>
-              <a:t>17</a:t>
-            </a:fld>
-            <a:endParaRPr lang="en-US" altLang="it-IT"/>
-          </a:p>
-        </p:txBody>
-      </p:sp>
-      <p:sp>
-        <p:nvSpPr>
           <p:cNvPr id="143362" name="Rectangle 2">
             <a:extLst>
               <a:ext uri="{FF2B5EF4-FFF2-40B4-BE49-F238E27FC236}">
@@ -7743,40 +7437,6 @@
       </p:grpSpPr>
       <p:sp>
         <p:nvSpPr>
-          <p:cNvPr id="4" name="Segnaposto numero diapositiva 5">
-            <a:extLst>
-              <a:ext uri="{FF2B5EF4-FFF2-40B4-BE49-F238E27FC236}">
-                <a16:creationId xmlns:a16="http://schemas.microsoft.com/office/drawing/2014/main" id="{91360237-B7F8-2358-4C2B-1D7070B8E0FF}"/>
-              </a:ext>
-            </a:extLst>
-          </p:cNvPr>
-          <p:cNvSpPr>
-            <a:spLocks noGrp="1"/>
-          </p:cNvSpPr>
-          <p:nvPr>
-            <p:ph type="sldNum" sz="quarter" idx="12"/>
-          </p:nvPr>
-        </p:nvSpPr>
-        <p:spPr/>
-        <p:txBody>
-          <a:bodyPr/>
-          <a:lstStyle/>
-          <a:p>
-            <a:r>
-              <a:rPr lang="it" altLang="it-IT"/>
-              <a:t>Garanzia di qualità del software – JUnit Lab</a:t>
-            </a:r>
-            <a:fld id="{BDC5177F-F11C-C245-96BD-449627378E7F}" type="slidenum">
-              <a:rPr lang="en-US" altLang="it-IT"/>
-              <a:pPr/>
-              <a:t>18</a:t>
-            </a:fld>
-            <a:endParaRPr lang="en-US" altLang="it-IT"/>
-          </a:p>
-        </p:txBody>
-      </p:sp>
-      <p:sp>
-        <p:nvSpPr>
           <p:cNvPr id="91138" name="Rectangle 2">
             <a:extLst>
               <a:ext uri="{FF2B5EF4-FFF2-40B4-BE49-F238E27FC236}">
@@ -7903,40 +7563,6 @@
       </p:grpSpPr>
       <p:sp>
         <p:nvSpPr>
-          <p:cNvPr id="4" name="Segnaposto numero diapositiva 5">
-            <a:extLst>
-              <a:ext uri="{FF2B5EF4-FFF2-40B4-BE49-F238E27FC236}">
-                <a16:creationId xmlns:a16="http://schemas.microsoft.com/office/drawing/2014/main" id="{61160CEE-89E8-A60C-16AC-C92C8CA6C925}"/>
-              </a:ext>
-            </a:extLst>
-          </p:cNvPr>
-          <p:cNvSpPr>
-            <a:spLocks noGrp="1"/>
-          </p:cNvSpPr>
-          <p:nvPr>
-            <p:ph type="sldNum" sz="quarter" idx="12"/>
-          </p:nvPr>
-        </p:nvSpPr>
-        <p:spPr/>
-        <p:txBody>
-          <a:bodyPr/>
-          <a:lstStyle/>
-          <a:p>
-            <a:r>
-              <a:rPr lang="it" altLang="it-IT"/>
-              <a:t>Garanzia di qualità del software – JUnit Lab</a:t>
-            </a:r>
-            <a:fld id="{DA745D7B-97D7-0C42-969A-90A4CCBA6345}" type="slidenum">
-              <a:rPr lang="en-US" altLang="it-IT"/>
-              <a:pPr/>
-              <a:t>19</a:t>
-            </a:fld>
-            <a:endParaRPr lang="en-US" altLang="it-IT"/>
-          </a:p>
-        </p:txBody>
-      </p:sp>
-      <p:sp>
-        <p:nvSpPr>
           <p:cNvPr id="93186" name="Rectangle 2">
             <a:extLst>
               <a:ext uri="{FF2B5EF4-FFF2-40B4-BE49-F238E27FC236}">
@@ -8024,40 +7650,6 @@
       </p:grpSpPr>
       <p:sp>
         <p:nvSpPr>
-          <p:cNvPr id="4" name="Segnaposto numero diapositiva 5">
-            <a:extLst>
-              <a:ext uri="{FF2B5EF4-FFF2-40B4-BE49-F238E27FC236}">
-                <a16:creationId xmlns:a16="http://schemas.microsoft.com/office/drawing/2014/main" id="{ECAB2FF8-9E11-617F-635C-105F9D36861F}"/>
-              </a:ext>
-            </a:extLst>
-          </p:cNvPr>
-          <p:cNvSpPr>
-            <a:spLocks noGrp="1"/>
-          </p:cNvSpPr>
-          <p:nvPr>
-            <p:ph type="sldNum" sz="quarter" idx="12"/>
-          </p:nvPr>
-        </p:nvSpPr>
-        <p:spPr/>
-        <p:txBody>
-          <a:bodyPr/>
-          <a:lstStyle/>
-          <a:p>
-            <a:r>
-              <a:rPr lang="it" altLang="it-IT"/>
-              <a:t>Garanzia di qualità del software – JUnit Lab</a:t>
-            </a:r>
-            <a:fld id="{FB8E0202-B142-9149-BE33-59E8B0B19672}" type="slidenum">
-              <a:rPr lang="en-US" altLang="it-IT"/>
-              <a:pPr/>
-              <a:t>2</a:t>
-            </a:fld>
-            <a:endParaRPr lang="en-US" altLang="it-IT"/>
-          </a:p>
-        </p:txBody>
-      </p:sp>
-      <p:sp>
-        <p:nvSpPr>
           <p:cNvPr id="125954" name="Rectangle 2">
             <a:extLst>
               <a:ext uri="{FF2B5EF4-FFF2-40B4-BE49-F238E27FC236}">
@@ -8229,40 +7821,6 @@
       </p:grpSpPr>
       <p:sp>
         <p:nvSpPr>
-          <p:cNvPr id="4" name="Segnaposto numero diapositiva 5">
-            <a:extLst>
-              <a:ext uri="{FF2B5EF4-FFF2-40B4-BE49-F238E27FC236}">
-                <a16:creationId xmlns:a16="http://schemas.microsoft.com/office/drawing/2014/main" id="{9429D63E-B880-C162-B7D5-9590663DD298}"/>
-              </a:ext>
-            </a:extLst>
-          </p:cNvPr>
-          <p:cNvSpPr>
-            <a:spLocks noGrp="1"/>
-          </p:cNvSpPr>
-          <p:nvPr>
-            <p:ph type="sldNum" sz="quarter" idx="12"/>
-          </p:nvPr>
-        </p:nvSpPr>
-        <p:spPr/>
-        <p:txBody>
-          <a:bodyPr/>
-          <a:lstStyle/>
-          <a:p>
-            <a:r>
-              <a:rPr lang="it" altLang="it-IT"/>
-              <a:t>Garanzia di qualità del software – JUnit Lab</a:t>
-            </a:r>
-            <a:fld id="{6F9FE693-2BDB-E544-9504-6593D8C7FABD}" type="slidenum">
-              <a:rPr lang="en-US" altLang="it-IT"/>
-              <a:pPr/>
-              <a:t>20</a:t>
-            </a:fld>
-            <a:endParaRPr lang="en-US" altLang="it-IT"/>
-          </a:p>
-        </p:txBody>
-      </p:sp>
-      <p:sp>
-        <p:nvSpPr>
           <p:cNvPr id="131074" name="Rectangle 2">
             <a:extLst>
               <a:ext uri="{FF2B5EF4-FFF2-40B4-BE49-F238E27FC236}">
@@ -8408,40 +7966,6 @@
       </p:grpSpPr>
       <p:sp>
         <p:nvSpPr>
-          <p:cNvPr id="4" name="Segnaposto numero diapositiva 5">
-            <a:extLst>
-              <a:ext uri="{FF2B5EF4-FFF2-40B4-BE49-F238E27FC236}">
-                <a16:creationId xmlns:a16="http://schemas.microsoft.com/office/drawing/2014/main" id="{2E0BB037-BA5F-06D3-0C9E-2DB9761F22E4}"/>
-              </a:ext>
-            </a:extLst>
-          </p:cNvPr>
-          <p:cNvSpPr>
-            <a:spLocks noGrp="1"/>
-          </p:cNvSpPr>
-          <p:nvPr>
-            <p:ph type="sldNum" sz="quarter" idx="12"/>
-          </p:nvPr>
-        </p:nvSpPr>
-        <p:spPr/>
-        <p:txBody>
-          <a:bodyPr/>
-          <a:lstStyle/>
-          <a:p>
-            <a:r>
-              <a:rPr lang="it" altLang="it-IT"/>
-              <a:t>Garanzia di qualità del software – JUnit Lab</a:t>
-            </a:r>
-            <a:fld id="{F3E46DE8-96D6-144A-B86B-0C24ED89479D}" type="slidenum">
-              <a:rPr lang="en-US" altLang="it-IT"/>
-              <a:pPr/>
-              <a:t>21</a:t>
-            </a:fld>
-            <a:endParaRPr lang="en-US" altLang="it-IT"/>
-          </a:p>
-        </p:txBody>
-      </p:sp>
-      <p:sp>
-        <p:nvSpPr>
           <p:cNvPr id="97282" name="Rectangle 2">
             <a:extLst>
               <a:ext uri="{FF2B5EF4-FFF2-40B4-BE49-F238E27FC236}">
@@ -8562,40 +8086,6 @@
       </p:grpSpPr>
       <p:sp>
         <p:nvSpPr>
-          <p:cNvPr id="4" name="Segnaposto numero diapositiva 5">
-            <a:extLst>
-              <a:ext uri="{FF2B5EF4-FFF2-40B4-BE49-F238E27FC236}">
-                <a16:creationId xmlns:a16="http://schemas.microsoft.com/office/drawing/2014/main" id="{876AE1CA-D183-42C4-221D-32C001AE3F17}"/>
-              </a:ext>
-            </a:extLst>
-          </p:cNvPr>
-          <p:cNvSpPr>
-            <a:spLocks noGrp="1"/>
-          </p:cNvSpPr>
-          <p:nvPr>
-            <p:ph type="sldNum" sz="quarter" idx="12"/>
-          </p:nvPr>
-        </p:nvSpPr>
-        <p:spPr/>
-        <p:txBody>
-          <a:bodyPr/>
-          <a:lstStyle/>
-          <a:p>
-            <a:r>
-              <a:rPr lang="it" altLang="it-IT"/>
-              <a:t>Garanzia di qualità del software – JUnit Lab</a:t>
-            </a:r>
-            <a:fld id="{ECD2806D-50FA-2741-A857-7B510FB3E586}" type="slidenum">
-              <a:rPr lang="en-US" altLang="it-IT"/>
-              <a:pPr/>
-              <a:t>22</a:t>
-            </a:fld>
-            <a:endParaRPr lang="en-US" altLang="it-IT"/>
-          </a:p>
-        </p:txBody>
-      </p:sp>
-      <p:sp>
-        <p:nvSpPr>
           <p:cNvPr id="99330" name="Rectangle 2">
             <a:extLst>
               <a:ext uri="{FF2B5EF4-FFF2-40B4-BE49-F238E27FC236}">
@@ -8645,18 +8135,18 @@
           <a:lstStyle/>
           <a:p>
             <a:r>
-              <a:rPr lang="it" altLang="it-IT" sz="2000"/>
+              <a:rPr lang="it" altLang="it-IT" sz="2000" dirty="0"/>
               <a:t>Impostare:</a:t>
             </a:r>
           </a:p>
           <a:p>
             <a:pPr lvl="1"/>
             <a:r>
-              <a:rPr lang="it" altLang="it-IT" sz="2000"/>
+              <a:rPr lang="it" altLang="it-IT" sz="2000" dirty="0"/>
               <a:t>Utilizzare l' annotazione </a:t>
             </a:r>
             <a:r>
-              <a:rPr lang="it" altLang="it-IT" sz="2000" b="1">
+              <a:rPr lang="it" altLang="it-IT" sz="2000" b="1" dirty="0">
                 <a:solidFill>
                   <a:srgbClr val="FF0000"/>
                 </a:solidFill>
@@ -8665,17 +8155,17 @@
               <a:t>@Before </a:t>
             </a:r>
             <a:r>
-              <a:rPr lang="it" altLang="it-IT" sz="2000"/>
+              <a:rPr lang="it" altLang="it-IT" sz="2000" dirty="0"/>
               <a:t>su un metodo contenente codice da eseguire prima di ogni test case.</a:t>
             </a:r>
           </a:p>
           <a:p>
             <a:r>
-              <a:rPr lang="it" altLang="it-IT" sz="2000"/>
+              <a:rPr lang="it" altLang="it-IT" sz="2000" dirty="0"/>
               <a:t>Smontaggio ( </a:t>
             </a:r>
             <a:r>
-              <a:rPr lang="it" altLang="it-IT" sz="2000">
+              <a:rPr lang="it" altLang="it-IT" sz="2000" dirty="0">
                 <a:solidFill>
                   <a:srgbClr val="3333CC"/>
                 </a:solidFill>
@@ -8683,18 +8173,18 @@
               <a:t>indipendentemente dal verdetto </a:t>
             </a:r>
             <a:r>
-              <a:rPr lang="it" altLang="it-IT" sz="2000"/>
+              <a:rPr lang="it" altLang="it-IT" sz="2000" dirty="0"/>
               <a:t>):</a:t>
             </a:r>
           </a:p>
           <a:p>
             <a:pPr lvl="1"/>
             <a:r>
-              <a:rPr lang="it" altLang="it-IT" sz="2000"/>
+              <a:rPr lang="it" altLang="it-IT" sz="2000" dirty="0"/>
               <a:t>Utilizzare l' annotazione </a:t>
             </a:r>
             <a:r>
-              <a:rPr lang="it" altLang="it-IT" sz="2000" b="1">
+              <a:rPr lang="it" altLang="it-IT" sz="2000" b="1" dirty="0">
                 <a:solidFill>
                   <a:srgbClr val="FF0000"/>
                 </a:solidFill>
@@ -8703,31 +8193,31 @@
               <a:t>@After </a:t>
             </a:r>
             <a:r>
-              <a:rPr lang="it" altLang="it-IT" sz="2000"/>
+              <a:rPr lang="it" altLang="it-IT" sz="2000" dirty="0"/>
               <a:t>su un metodo contenente codice da eseguire dopo ogni caso di test.</a:t>
             </a:r>
           </a:p>
           <a:p>
             <a:pPr lvl="1"/>
             <a:r>
-              <a:rPr lang="it" altLang="it-IT" sz="2000"/>
+              <a:rPr lang="it" altLang="it-IT" sz="2000" dirty="0"/>
               <a:t>Questi metodi verranno eseguiti anche se vengono lanciate eccezioni nel caso di test o un'asserzione fallisce.</a:t>
             </a:r>
           </a:p>
           <a:p>
             <a:r>
-              <a:rPr lang="it" altLang="it-IT" sz="2000"/>
+              <a:rPr lang="it" altLang="it-IT" sz="2000" dirty="0"/>
               <a:t>È consentito avere un numero qualsiasi di queste annotazioni.</a:t>
             </a:r>
           </a:p>
           <a:p>
             <a:pPr lvl="1"/>
             <a:r>
-              <a:rPr lang="it" altLang="it-IT" sz="2000"/>
+              <a:rPr lang="it" altLang="it-IT" sz="2000" dirty="0"/>
               <a:t>Tutti i metodi annotati con </a:t>
             </a:r>
             <a:r>
-              <a:rPr lang="it" altLang="it-IT" sz="2000" b="1">
+              <a:rPr lang="it" altLang="it-IT" sz="2000" b="1" dirty="0">
                 <a:solidFill>
                   <a:srgbClr val="FF0000"/>
                 </a:solidFill>
@@ -8736,11 +8226,11 @@
               <a:t>@Before </a:t>
             </a:r>
             <a:r>
-              <a:rPr lang="it" altLang="it-IT" sz="2000"/>
+              <a:rPr lang="it" altLang="it-IT" sz="2000" dirty="0"/>
               <a:t>verranno eseguiti prima di ogni test case, ma possono essere eseguiti in </a:t>
             </a:r>
             <a:r>
-              <a:rPr lang="it" altLang="it-IT" sz="2000">
+              <a:rPr lang="it" altLang="it-IT" sz="2000" dirty="0">
                 <a:solidFill>
                   <a:schemeClr val="hlink"/>
                 </a:solidFill>
@@ -8748,7 +8238,7 @@
               <a:t>qualsiasi </a:t>
             </a:r>
             <a:r>
-              <a:rPr lang="it" altLang="it-IT" sz="2000"/>
+              <a:rPr lang="it" altLang="it-IT" sz="2000" dirty="0"/>
               <a:t>ordine.</a:t>
             </a:r>
           </a:p>
@@ -8781,40 +8271,6 @@
       </p:grpSpPr>
       <p:sp>
         <p:nvSpPr>
-          <p:cNvPr id="4" name="Segnaposto numero diapositiva 5">
-            <a:extLst>
-              <a:ext uri="{FF2B5EF4-FFF2-40B4-BE49-F238E27FC236}">
-                <a16:creationId xmlns:a16="http://schemas.microsoft.com/office/drawing/2014/main" id="{08C3379C-0ABE-7CC9-4666-7F274D027EF0}"/>
-              </a:ext>
-            </a:extLst>
-          </p:cNvPr>
-          <p:cNvSpPr>
-            <a:spLocks noGrp="1"/>
-          </p:cNvSpPr>
-          <p:nvPr>
-            <p:ph type="sldNum" sz="quarter" idx="12"/>
-          </p:nvPr>
-        </p:nvSpPr>
-        <p:spPr/>
-        <p:txBody>
-          <a:bodyPr/>
-          <a:lstStyle/>
-          <a:p>
-            <a:r>
-              <a:rPr lang="it" altLang="it-IT"/>
-              <a:t>Garanzia di qualità del software – JUnit Lab</a:t>
-            </a:r>
-            <a:fld id="{442B199E-CA12-2F49-BD00-B2B299A16CA6}" type="slidenum">
-              <a:rPr lang="en-US" altLang="it-IT"/>
-              <a:pPr/>
-              <a:t>23</a:t>
-            </a:fld>
-            <a:endParaRPr lang="en-US" altLang="it-IT"/>
-          </a:p>
-        </p:txBody>
-      </p:sp>
-      <p:sp>
-        <p:nvSpPr>
           <p:cNvPr id="100354" name="Rectangle 2">
             <a:extLst>
               <a:ext uri="{FF2B5EF4-FFF2-40B4-BE49-F238E27FC236}">
@@ -9446,40 +8902,6 @@
       </p:grpSpPr>
       <p:sp>
         <p:nvSpPr>
-          <p:cNvPr id="4" name="Segnaposto numero diapositiva 5">
-            <a:extLst>
-              <a:ext uri="{FF2B5EF4-FFF2-40B4-BE49-F238E27FC236}">
-                <a16:creationId xmlns:a16="http://schemas.microsoft.com/office/drawing/2014/main" id="{8DB8C0EA-9FFA-28C6-BC1F-678E647F3A0C}"/>
-              </a:ext>
-            </a:extLst>
-          </p:cNvPr>
-          <p:cNvSpPr>
-            <a:spLocks noGrp="1"/>
-          </p:cNvSpPr>
-          <p:nvPr>
-            <p:ph type="sldNum" sz="quarter" idx="12"/>
-          </p:nvPr>
-        </p:nvSpPr>
-        <p:spPr/>
-        <p:txBody>
-          <a:bodyPr/>
-          <a:lstStyle/>
-          <a:p>
-            <a:r>
-              <a:rPr lang="it" altLang="it-IT"/>
-              <a:t>Garanzia di qualità del software – JUnit Lab</a:t>
-            </a:r>
-            <a:fld id="{644D2175-89F4-7F42-AC92-4F15C77EA727}" type="slidenum">
-              <a:rPr lang="en-US" altLang="it-IT"/>
-              <a:pPr/>
-              <a:t>24</a:t>
-            </a:fld>
-            <a:endParaRPr lang="en-US" altLang="it-IT"/>
-          </a:p>
-        </p:txBody>
-      </p:sp>
-      <p:sp>
-        <p:nvSpPr>
           <p:cNvPr id="101380" name="Rectangle 4">
             <a:extLst>
               <a:ext uri="{FF2B5EF4-FFF2-40B4-BE49-F238E27FC236}">
@@ -9804,40 +9226,6 @@
       </p:grpSpPr>
       <p:sp>
         <p:nvSpPr>
-          <p:cNvPr id="4" name="Segnaposto numero diapositiva 5">
-            <a:extLst>
-              <a:ext uri="{FF2B5EF4-FFF2-40B4-BE49-F238E27FC236}">
-                <a16:creationId xmlns:a16="http://schemas.microsoft.com/office/drawing/2014/main" id="{259BE4D2-AD97-B7A7-E8CF-A9936F8AB327}"/>
-              </a:ext>
-            </a:extLst>
-          </p:cNvPr>
-          <p:cNvSpPr>
-            <a:spLocks noGrp="1"/>
-          </p:cNvSpPr>
-          <p:nvPr>
-            <p:ph type="sldNum" sz="quarter" idx="12"/>
-          </p:nvPr>
-        </p:nvSpPr>
-        <p:spPr/>
-        <p:txBody>
-          <a:bodyPr/>
-          <a:lstStyle/>
-          <a:p>
-            <a:r>
-              <a:rPr lang="it" altLang="it-IT"/>
-              <a:t>Garanzia di qualità del software – JUnit Lab</a:t>
-            </a:r>
-            <a:fld id="{103EE894-8788-AA47-90EE-3ADB3906DA72}" type="slidenum">
-              <a:rPr lang="en-US" altLang="it-IT"/>
-              <a:pPr/>
-              <a:t>25</a:t>
-            </a:fld>
-            <a:endParaRPr lang="en-US" altLang="it-IT"/>
-          </a:p>
-        </p:txBody>
-      </p:sp>
-      <p:sp>
-        <p:nvSpPr>
           <p:cNvPr id="133122" name="Rectangle 2">
             <a:extLst>
               <a:ext uri="{FF2B5EF4-FFF2-40B4-BE49-F238E27FC236}">
@@ -10121,40 +9509,6 @@
       </p:grpSpPr>
       <p:sp>
         <p:nvSpPr>
-          <p:cNvPr id="4" name="Segnaposto numero diapositiva 5">
-            <a:extLst>
-              <a:ext uri="{FF2B5EF4-FFF2-40B4-BE49-F238E27FC236}">
-                <a16:creationId xmlns:a16="http://schemas.microsoft.com/office/drawing/2014/main" id="{C96A1206-CDC8-1931-A041-08319C149CC6}"/>
-              </a:ext>
-            </a:extLst>
-          </p:cNvPr>
-          <p:cNvSpPr>
-            <a:spLocks noGrp="1"/>
-          </p:cNvSpPr>
-          <p:nvPr>
-            <p:ph type="sldNum" sz="quarter" idx="12"/>
-          </p:nvPr>
-        </p:nvSpPr>
-        <p:spPr/>
-        <p:txBody>
-          <a:bodyPr/>
-          <a:lstStyle/>
-          <a:p>
-            <a:r>
-              <a:rPr lang="it" altLang="it-IT"/>
-              <a:t>Garanzia di qualità del software – JUnit Lab</a:t>
-            </a:r>
-            <a:fld id="{256F3D04-56BC-CF47-858A-40BF578E3250}" type="slidenum">
-              <a:rPr lang="en-US" altLang="it-IT"/>
-              <a:pPr/>
-              <a:t>26</a:t>
-            </a:fld>
-            <a:endParaRPr lang="en-US" altLang="it-IT"/>
-          </a:p>
-        </p:txBody>
-      </p:sp>
-      <p:sp>
-        <p:nvSpPr>
           <p:cNvPr id="134146" name="Rectangle 2">
             <a:extLst>
               <a:ext uri="{FF2B5EF4-FFF2-40B4-BE49-F238E27FC236}">
@@ -10410,40 +9764,6 @@
       </p:grpSpPr>
       <p:sp>
         <p:nvSpPr>
-          <p:cNvPr id="4" name="Segnaposto numero diapositiva 5">
-            <a:extLst>
-              <a:ext uri="{FF2B5EF4-FFF2-40B4-BE49-F238E27FC236}">
-                <a16:creationId xmlns:a16="http://schemas.microsoft.com/office/drawing/2014/main" id="{4F6C96F9-6764-619E-1A7B-81D35F1CFD5C}"/>
-              </a:ext>
-            </a:extLst>
-          </p:cNvPr>
-          <p:cNvSpPr>
-            <a:spLocks noGrp="1"/>
-          </p:cNvSpPr>
-          <p:nvPr>
-            <p:ph type="sldNum" sz="quarter" idx="12"/>
-          </p:nvPr>
-        </p:nvSpPr>
-        <p:spPr/>
-        <p:txBody>
-          <a:bodyPr/>
-          <a:lstStyle/>
-          <a:p>
-            <a:r>
-              <a:rPr lang="it" altLang="it-IT"/>
-              <a:t>Garanzia di qualità del software – JUnit Lab</a:t>
-            </a:r>
-            <a:fld id="{03F52003-A231-1F4D-8D6B-0367EFAB3C73}" type="slidenum">
-              <a:rPr lang="en-US" altLang="it-IT"/>
-              <a:pPr/>
-              <a:t>27</a:t>
-            </a:fld>
-            <a:endParaRPr lang="en-US" altLang="it-IT"/>
-          </a:p>
-        </p:txBody>
-      </p:sp>
-      <p:sp>
-        <p:nvSpPr>
           <p:cNvPr id="135170" name="Rectangle 2">
             <a:extLst>
               <a:ext uri="{FF2B5EF4-FFF2-40B4-BE49-F238E27FC236}">
@@ -10693,40 +10013,6 @@
       </p:grpSpPr>
       <p:sp>
         <p:nvSpPr>
-          <p:cNvPr id="4" name="Segnaposto numero diapositiva 5">
-            <a:extLst>
-              <a:ext uri="{FF2B5EF4-FFF2-40B4-BE49-F238E27FC236}">
-                <a16:creationId xmlns:a16="http://schemas.microsoft.com/office/drawing/2014/main" id="{3BF29405-C8A7-2349-0CDE-9E10A1AE0F6E}"/>
-              </a:ext>
-            </a:extLst>
-          </p:cNvPr>
-          <p:cNvSpPr>
-            <a:spLocks noGrp="1"/>
-          </p:cNvSpPr>
-          <p:nvPr>
-            <p:ph type="sldNum" sz="quarter" idx="12"/>
-          </p:nvPr>
-        </p:nvSpPr>
-        <p:spPr/>
-        <p:txBody>
-          <a:bodyPr/>
-          <a:lstStyle/>
-          <a:p>
-            <a:r>
-              <a:rPr lang="it" altLang="it-IT"/>
-              <a:t>Garanzia di qualità del software – JUnit Lab</a:t>
-            </a:r>
-            <a:fld id="{2AABCE05-A001-0B4F-914A-DA05768D4AF2}" type="slidenum">
-              <a:rPr lang="en-US" altLang="it-IT"/>
-              <a:pPr/>
-              <a:t>28</a:t>
-            </a:fld>
-            <a:endParaRPr lang="en-US" altLang="it-IT"/>
-          </a:p>
-        </p:txBody>
-      </p:sp>
-      <p:sp>
-        <p:nvSpPr>
           <p:cNvPr id="136194" name="Rectangle 2">
             <a:extLst>
               <a:ext uri="{FF2B5EF4-FFF2-40B4-BE49-F238E27FC236}">
@@ -11302,40 +10588,6 @@
       </p:grpSpPr>
       <p:sp>
         <p:nvSpPr>
-          <p:cNvPr id="4" name="Segnaposto numero diapositiva 5">
-            <a:extLst>
-              <a:ext uri="{FF2B5EF4-FFF2-40B4-BE49-F238E27FC236}">
-                <a16:creationId xmlns:a16="http://schemas.microsoft.com/office/drawing/2014/main" id="{D9B51FBA-0227-D69B-9E45-DFA2CDD62778}"/>
-              </a:ext>
-            </a:extLst>
-          </p:cNvPr>
-          <p:cNvSpPr>
-            <a:spLocks noGrp="1"/>
-          </p:cNvSpPr>
-          <p:nvPr>
-            <p:ph type="sldNum" sz="quarter" idx="12"/>
-          </p:nvPr>
-        </p:nvSpPr>
-        <p:spPr/>
-        <p:txBody>
-          <a:bodyPr/>
-          <a:lstStyle/>
-          <a:p>
-            <a:r>
-              <a:rPr lang="it" altLang="it-IT"/>
-              <a:t>Garanzia di qualità del software – JUnit Lab</a:t>
-            </a:r>
-            <a:fld id="{2299BD10-2B86-5941-9444-BC4871E1F364}" type="slidenum">
-              <a:rPr lang="en-US" altLang="it-IT"/>
-              <a:pPr/>
-              <a:t>3</a:t>
-            </a:fld>
-            <a:endParaRPr lang="en-US" altLang="it-IT"/>
-          </a:p>
-        </p:txBody>
-      </p:sp>
-      <p:sp>
-        <p:nvSpPr>
           <p:cNvPr id="124930" name="Rectangle 2">
             <a:extLst>
               <a:ext uri="{FF2B5EF4-FFF2-40B4-BE49-F238E27FC236}">
@@ -11515,40 +10767,6 @@
       </p:grpSpPr>
       <p:sp>
         <p:nvSpPr>
-          <p:cNvPr id="4" name="Segnaposto numero diapositiva 5">
-            <a:extLst>
-              <a:ext uri="{FF2B5EF4-FFF2-40B4-BE49-F238E27FC236}">
-                <a16:creationId xmlns:a16="http://schemas.microsoft.com/office/drawing/2014/main" id="{103278B0-A7AE-3A95-E89E-F1797D0A3605}"/>
-              </a:ext>
-            </a:extLst>
-          </p:cNvPr>
-          <p:cNvSpPr>
-            <a:spLocks noGrp="1"/>
-          </p:cNvSpPr>
-          <p:nvPr>
-            <p:ph type="sldNum" sz="quarter" idx="12"/>
-          </p:nvPr>
-        </p:nvSpPr>
-        <p:spPr/>
-        <p:txBody>
-          <a:bodyPr/>
-          <a:lstStyle/>
-          <a:p>
-            <a:r>
-              <a:rPr lang="it" altLang="it-IT"/>
-              <a:t>Garanzia di qualità del software – JUnit Lab</a:t>
-            </a:r>
-            <a:fld id="{2DC29630-E0C2-D94F-A533-4EF9C4E43674}" type="slidenum">
-              <a:rPr lang="en-US" altLang="it-IT"/>
-              <a:pPr/>
-              <a:t>4</a:t>
-            </a:fld>
-            <a:endParaRPr lang="en-US" altLang="it-IT"/>
-          </a:p>
-        </p:txBody>
-      </p:sp>
-      <p:sp>
-        <p:nvSpPr>
           <p:cNvPr id="79874" name="Rectangle 2">
             <a:extLst>
               <a:ext uri="{FF2B5EF4-FFF2-40B4-BE49-F238E27FC236}">
@@ -11733,40 +10951,6 @@
       </p:grpSpPr>
       <p:sp>
         <p:nvSpPr>
-          <p:cNvPr id="4" name="Segnaposto numero diapositiva 5">
-            <a:extLst>
-              <a:ext uri="{FF2B5EF4-FFF2-40B4-BE49-F238E27FC236}">
-                <a16:creationId xmlns:a16="http://schemas.microsoft.com/office/drawing/2014/main" id="{8F68AD95-D677-0A3E-21AC-31A5D1CC87B5}"/>
-              </a:ext>
-            </a:extLst>
-          </p:cNvPr>
-          <p:cNvSpPr>
-            <a:spLocks noGrp="1"/>
-          </p:cNvSpPr>
-          <p:nvPr>
-            <p:ph type="sldNum" sz="quarter" idx="12"/>
-          </p:nvPr>
-        </p:nvSpPr>
-        <p:spPr/>
-        <p:txBody>
-          <a:bodyPr/>
-          <a:lstStyle/>
-          <a:p>
-            <a:r>
-              <a:rPr lang="it" altLang="it-IT"/>
-              <a:t>Garanzia di qualità del software – JUnit Lab</a:t>
-            </a:r>
-            <a:fld id="{710CF6BF-4BCC-004F-87DE-0C378CF34244}" type="slidenum">
-              <a:rPr lang="en-US" altLang="it-IT"/>
-              <a:pPr/>
-              <a:t>5</a:t>
-            </a:fld>
-            <a:endParaRPr lang="en-US" altLang="it-IT"/>
-          </a:p>
-        </p:txBody>
-      </p:sp>
-      <p:sp>
-        <p:nvSpPr>
           <p:cNvPr id="68610" name="Rectangle 2">
             <a:extLst>
               <a:ext uri="{FF2B5EF4-FFF2-40B4-BE49-F238E27FC236}">
@@ -11938,40 +11122,6 @@
       </p:grpSpPr>
       <p:sp>
         <p:nvSpPr>
-          <p:cNvPr id="4" name="Segnaposto numero diapositiva 5">
-            <a:extLst>
-              <a:ext uri="{FF2B5EF4-FFF2-40B4-BE49-F238E27FC236}">
-                <a16:creationId xmlns:a16="http://schemas.microsoft.com/office/drawing/2014/main" id="{B758DB5F-81A4-1860-31C1-8BDFB8DFA6B2}"/>
-              </a:ext>
-            </a:extLst>
-          </p:cNvPr>
-          <p:cNvSpPr>
-            <a:spLocks noGrp="1"/>
-          </p:cNvSpPr>
-          <p:nvPr>
-            <p:ph type="sldNum" sz="quarter" idx="12"/>
-          </p:nvPr>
-        </p:nvSpPr>
-        <p:spPr/>
-        <p:txBody>
-          <a:bodyPr/>
-          <a:lstStyle/>
-          <a:p>
-            <a:r>
-              <a:rPr lang="it" altLang="it-IT" dirty="0"/>
-              <a:t>Garanzia di qualità del software – JUnit Lab</a:t>
-            </a:r>
-            <a:fld id="{6853B629-0CB9-C444-889B-F59324E86917}" type="slidenum">
-              <a:rPr lang="en-US" altLang="it-IT"/>
-              <a:pPr/>
-              <a:t>6</a:t>
-            </a:fld>
-            <a:endParaRPr lang="en-US" altLang="it-IT" dirty="0"/>
-          </a:p>
-        </p:txBody>
-      </p:sp>
-      <p:sp>
-        <p:nvSpPr>
           <p:cNvPr id="69634" name="Rectangle 2">
             <a:extLst>
               <a:ext uri="{FF2B5EF4-FFF2-40B4-BE49-F238E27FC236}">
@@ -12132,40 +11282,6 @@
       </p:grpSpPr>
       <p:sp>
         <p:nvSpPr>
-          <p:cNvPr id="4" name="Segnaposto numero diapositiva 5">
-            <a:extLst>
-              <a:ext uri="{FF2B5EF4-FFF2-40B4-BE49-F238E27FC236}">
-                <a16:creationId xmlns:a16="http://schemas.microsoft.com/office/drawing/2014/main" id="{085E4FC7-109A-812A-4D59-4D73ABDD314C}"/>
-              </a:ext>
-            </a:extLst>
-          </p:cNvPr>
-          <p:cNvSpPr>
-            <a:spLocks noGrp="1"/>
-          </p:cNvSpPr>
-          <p:nvPr>
-            <p:ph type="sldNum" sz="quarter" idx="12"/>
-          </p:nvPr>
-        </p:nvSpPr>
-        <p:spPr/>
-        <p:txBody>
-          <a:bodyPr/>
-          <a:lstStyle/>
-          <a:p>
-            <a:r>
-              <a:rPr lang="it" altLang="it-IT"/>
-              <a:t>Garanzia di qualità del software – JUnit Lab</a:t>
-            </a:r>
-            <a:fld id="{1E6CB68B-836D-0A4F-A4E9-E361C73E244B}" type="slidenum">
-              <a:rPr lang="en-US" altLang="it-IT"/>
-              <a:pPr/>
-              <a:t>7</a:t>
-            </a:fld>
-            <a:endParaRPr lang="en-US" altLang="it-IT"/>
-          </a:p>
-        </p:txBody>
-      </p:sp>
-      <p:sp>
-        <p:nvSpPr>
           <p:cNvPr id="51202" name="Rectangle 2">
             <a:extLst>
               <a:ext uri="{FF2B5EF4-FFF2-40B4-BE49-F238E27FC236}">
@@ -12484,40 +11600,6 @@
           <a:chExt cx="0" cy="0"/>
         </a:xfrm>
       </p:grpSpPr>
-      <p:sp>
-        <p:nvSpPr>
-          <p:cNvPr id="4" name="Segnaposto numero diapositiva 5">
-            <a:extLst>
-              <a:ext uri="{FF2B5EF4-FFF2-40B4-BE49-F238E27FC236}">
-                <a16:creationId xmlns:a16="http://schemas.microsoft.com/office/drawing/2014/main" id="{EBACC637-2C5E-76C2-AF53-4CDEE540F316}"/>
-              </a:ext>
-            </a:extLst>
-          </p:cNvPr>
-          <p:cNvSpPr>
-            <a:spLocks noGrp="1"/>
-          </p:cNvSpPr>
-          <p:nvPr>
-            <p:ph type="sldNum" sz="quarter" idx="12"/>
-          </p:nvPr>
-        </p:nvSpPr>
-        <p:spPr/>
-        <p:txBody>
-          <a:bodyPr/>
-          <a:lstStyle/>
-          <a:p>
-            <a:r>
-              <a:rPr lang="it" altLang="it-IT"/>
-              <a:t>Garanzia di qualità del software – JUnit Lab</a:t>
-            </a:r>
-            <a:fld id="{F812546F-98E8-5B44-98B7-6FFBA026DCD0}" type="slidenum">
-              <a:rPr lang="en-US" altLang="it-IT"/>
-              <a:pPr/>
-              <a:t>8</a:t>
-            </a:fld>
-            <a:endParaRPr lang="en-US" altLang="it-IT"/>
-          </a:p>
-        </p:txBody>
-      </p:sp>
       <p:sp>
         <p:nvSpPr>
           <p:cNvPr id="83970" name="Rectangle 2">
@@ -12969,40 +12051,6 @@
           <a:chExt cx="0" cy="0"/>
         </a:xfrm>
       </p:grpSpPr>
-      <p:sp>
-        <p:nvSpPr>
-          <p:cNvPr id="4" name="Segnaposto numero diapositiva 5">
-            <a:extLst>
-              <a:ext uri="{FF2B5EF4-FFF2-40B4-BE49-F238E27FC236}">
-                <a16:creationId xmlns:a16="http://schemas.microsoft.com/office/drawing/2014/main" id="{8E3EECDC-ED64-943C-81A5-7901C532EF9A}"/>
-              </a:ext>
-            </a:extLst>
-          </p:cNvPr>
-          <p:cNvSpPr>
-            <a:spLocks noGrp="1"/>
-          </p:cNvSpPr>
-          <p:nvPr>
-            <p:ph type="sldNum" sz="quarter" idx="12"/>
-          </p:nvPr>
-        </p:nvSpPr>
-        <p:spPr/>
-        <p:txBody>
-          <a:bodyPr/>
-          <a:lstStyle/>
-          <a:p>
-            <a:r>
-              <a:rPr lang="it" altLang="it-IT"/>
-              <a:t>Garanzia di qualità del software – JUnit Lab</a:t>
-            </a:r>
-            <a:fld id="{AA3541E6-12E1-BD48-95C4-8DAB7C1992F7}" type="slidenum">
-              <a:rPr lang="en-US" altLang="it-IT"/>
-              <a:pPr/>
-              <a:t>9</a:t>
-            </a:fld>
-            <a:endParaRPr lang="en-US" altLang="it-IT"/>
-          </a:p>
-        </p:txBody>
-      </p:sp>
       <p:sp>
         <p:nvSpPr>
           <p:cNvPr id="84994" name="Rectangle 2">

--- a/Day 2/slide/JUnit-Intro-tutorial.pptx
+++ b/Day 2/slide/JUnit-Intro-tutorial.pptx
@@ -8548,7 +8548,7 @@
                 </a:solidFill>
                 <a:latin typeface="Courier New" panose="02070309020205020404" pitchFamily="49" charset="0"/>
               </a:rPr>
-              <a:t>@Dopo </a:t>
+              <a:t>@After </a:t>
             </a:r>
             <a:r>
               <a:rPr lang="it" altLang="it-IT" sz="1400" b="1" dirty="0">
@@ -10453,15 +10453,6 @@
               <a:buFontTx/>
               <a:buNone/>
             </a:pPr>
-            <a:r>
-              <a:rPr lang="it" altLang="it-IT" sz="1600" b="1" dirty="0">
-                <a:solidFill>
-                  <a:srgbClr val="3333CC"/>
-                </a:solidFill>
-                <a:latin typeface="Courier New" panose="02070309020205020404" pitchFamily="49" charset="0"/>
-              </a:rPr>
-              <a:t>A</a:t>
-            </a:r>
             <a:r>
               <a:rPr lang="en-CA" altLang="it-IT" sz="1600" b="1" dirty="0" err="1">
                 <a:solidFill>
